--- a/Abbildungen/wtfi_6_wahrscheinlichkeitstheorie_modell_beispiel.pptx
+++ b/Abbildungen/wtfi_6_wahrscheinlichkeitstheorie_modell_beispiel.pptx
@@ -243,7 +243,7 @@
           <a:p>
             <a:fld id="{2B41A6A7-50F4-463B-910E-CFAB06BEAEBD}" type="datetimeFigureOut">
               <a:rPr lang="de-DE" smtClean="0"/>
-              <a:t>18.11.2021</a:t>
+              <a:t>13.11.2022</a:t>
             </a:fld>
             <a:endParaRPr lang="de-DE"/>
           </a:p>
@@ -285,7 +285,7 @@
           <a:p>
             <a:fld id="{21F71EA9-8F64-41D2-B146-948977218CCE}" type="slidenum">
               <a:rPr lang="de-DE" smtClean="0"/>
-              <a:t>‹#›</a:t>
+              <a:t>‹Nr.›</a:t>
             </a:fld>
             <a:endParaRPr lang="de-DE"/>
           </a:p>
@@ -413,7 +413,7 @@
           <a:p>
             <a:fld id="{2B41A6A7-50F4-463B-910E-CFAB06BEAEBD}" type="datetimeFigureOut">
               <a:rPr lang="de-DE" smtClean="0"/>
-              <a:t>18.11.2021</a:t>
+              <a:t>13.11.2022</a:t>
             </a:fld>
             <a:endParaRPr lang="de-DE"/>
           </a:p>
@@ -455,7 +455,7 @@
           <a:p>
             <a:fld id="{21F71EA9-8F64-41D2-B146-948977218CCE}" type="slidenum">
               <a:rPr lang="de-DE" smtClean="0"/>
-              <a:t>‹#›</a:t>
+              <a:t>‹Nr.›</a:t>
             </a:fld>
             <a:endParaRPr lang="de-DE"/>
           </a:p>
@@ -593,7 +593,7 @@
           <a:p>
             <a:fld id="{2B41A6A7-50F4-463B-910E-CFAB06BEAEBD}" type="datetimeFigureOut">
               <a:rPr lang="de-DE" smtClean="0"/>
-              <a:t>18.11.2021</a:t>
+              <a:t>13.11.2022</a:t>
             </a:fld>
             <a:endParaRPr lang="de-DE"/>
           </a:p>
@@ -635,7 +635,7 @@
           <a:p>
             <a:fld id="{21F71EA9-8F64-41D2-B146-948977218CCE}" type="slidenum">
               <a:rPr lang="de-DE" smtClean="0"/>
-              <a:t>‹#›</a:t>
+              <a:t>‹Nr.›</a:t>
             </a:fld>
             <a:endParaRPr lang="de-DE"/>
           </a:p>
@@ -763,7 +763,7 @@
           <a:p>
             <a:fld id="{2B41A6A7-50F4-463B-910E-CFAB06BEAEBD}" type="datetimeFigureOut">
               <a:rPr lang="de-DE" smtClean="0"/>
-              <a:t>18.11.2021</a:t>
+              <a:t>13.11.2022</a:t>
             </a:fld>
             <a:endParaRPr lang="de-DE"/>
           </a:p>
@@ -805,7 +805,7 @@
           <a:p>
             <a:fld id="{21F71EA9-8F64-41D2-B146-948977218CCE}" type="slidenum">
               <a:rPr lang="de-DE" smtClean="0"/>
-              <a:t>‹#›</a:t>
+              <a:t>‹Nr.›</a:t>
             </a:fld>
             <a:endParaRPr lang="de-DE"/>
           </a:p>
@@ -1009,7 +1009,7 @@
           <a:p>
             <a:fld id="{2B41A6A7-50F4-463B-910E-CFAB06BEAEBD}" type="datetimeFigureOut">
               <a:rPr lang="de-DE" smtClean="0"/>
-              <a:t>18.11.2021</a:t>
+              <a:t>13.11.2022</a:t>
             </a:fld>
             <a:endParaRPr lang="de-DE"/>
           </a:p>
@@ -1051,7 +1051,7 @@
           <a:p>
             <a:fld id="{21F71EA9-8F64-41D2-B146-948977218CCE}" type="slidenum">
               <a:rPr lang="de-DE" smtClean="0"/>
-              <a:t>‹#›</a:t>
+              <a:t>‹Nr.›</a:t>
             </a:fld>
             <a:endParaRPr lang="de-DE"/>
           </a:p>
@@ -1241,7 +1241,7 @@
           <a:p>
             <a:fld id="{2B41A6A7-50F4-463B-910E-CFAB06BEAEBD}" type="datetimeFigureOut">
               <a:rPr lang="de-DE" smtClean="0"/>
-              <a:t>18.11.2021</a:t>
+              <a:t>13.11.2022</a:t>
             </a:fld>
             <a:endParaRPr lang="de-DE"/>
           </a:p>
@@ -1283,7 +1283,7 @@
           <a:p>
             <a:fld id="{21F71EA9-8F64-41D2-B146-948977218CCE}" type="slidenum">
               <a:rPr lang="de-DE" smtClean="0"/>
-              <a:t>‹#›</a:t>
+              <a:t>‹Nr.›</a:t>
             </a:fld>
             <a:endParaRPr lang="de-DE"/>
           </a:p>
@@ -1608,7 +1608,7 @@
           <a:p>
             <a:fld id="{2B41A6A7-50F4-463B-910E-CFAB06BEAEBD}" type="datetimeFigureOut">
               <a:rPr lang="de-DE" smtClean="0"/>
-              <a:t>18.11.2021</a:t>
+              <a:t>13.11.2022</a:t>
             </a:fld>
             <a:endParaRPr lang="de-DE"/>
           </a:p>
@@ -1650,7 +1650,7 @@
           <a:p>
             <a:fld id="{21F71EA9-8F64-41D2-B146-948977218CCE}" type="slidenum">
               <a:rPr lang="de-DE" smtClean="0"/>
-              <a:t>‹#›</a:t>
+              <a:t>‹Nr.›</a:t>
             </a:fld>
             <a:endParaRPr lang="de-DE"/>
           </a:p>
@@ -1726,7 +1726,7 @@
           <a:p>
             <a:fld id="{2B41A6A7-50F4-463B-910E-CFAB06BEAEBD}" type="datetimeFigureOut">
               <a:rPr lang="de-DE" smtClean="0"/>
-              <a:t>18.11.2021</a:t>
+              <a:t>13.11.2022</a:t>
             </a:fld>
             <a:endParaRPr lang="de-DE"/>
           </a:p>
@@ -1768,7 +1768,7 @@
           <a:p>
             <a:fld id="{21F71EA9-8F64-41D2-B146-948977218CCE}" type="slidenum">
               <a:rPr lang="de-DE" smtClean="0"/>
-              <a:t>‹#›</a:t>
+              <a:t>‹Nr.›</a:t>
             </a:fld>
             <a:endParaRPr lang="de-DE"/>
           </a:p>
@@ -1821,7 +1821,7 @@
           <a:p>
             <a:fld id="{2B41A6A7-50F4-463B-910E-CFAB06BEAEBD}" type="datetimeFigureOut">
               <a:rPr lang="de-DE" smtClean="0"/>
-              <a:t>18.11.2021</a:t>
+              <a:t>13.11.2022</a:t>
             </a:fld>
             <a:endParaRPr lang="de-DE"/>
           </a:p>
@@ -1863,7 +1863,7 @@
           <a:p>
             <a:fld id="{21F71EA9-8F64-41D2-B146-948977218CCE}" type="slidenum">
               <a:rPr lang="de-DE" smtClean="0"/>
-              <a:t>‹#›</a:t>
+              <a:t>‹Nr.›</a:t>
             </a:fld>
             <a:endParaRPr lang="de-DE"/>
           </a:p>
@@ -2098,7 +2098,7 @@
           <a:p>
             <a:fld id="{2B41A6A7-50F4-463B-910E-CFAB06BEAEBD}" type="datetimeFigureOut">
               <a:rPr lang="de-DE" smtClean="0"/>
-              <a:t>18.11.2021</a:t>
+              <a:t>13.11.2022</a:t>
             </a:fld>
             <a:endParaRPr lang="de-DE"/>
           </a:p>
@@ -2140,7 +2140,7 @@
           <a:p>
             <a:fld id="{21F71EA9-8F64-41D2-B146-948977218CCE}" type="slidenum">
               <a:rPr lang="de-DE" smtClean="0"/>
-              <a:t>‹#›</a:t>
+              <a:t>‹Nr.›</a:t>
             </a:fld>
             <a:endParaRPr lang="de-DE"/>
           </a:p>
@@ -2355,7 +2355,7 @@
           <a:p>
             <a:fld id="{2B41A6A7-50F4-463B-910E-CFAB06BEAEBD}" type="datetimeFigureOut">
               <a:rPr lang="de-DE" smtClean="0"/>
-              <a:t>18.11.2021</a:t>
+              <a:t>13.11.2022</a:t>
             </a:fld>
             <a:endParaRPr lang="de-DE"/>
           </a:p>
@@ -2397,7 +2397,7 @@
           <a:p>
             <a:fld id="{21F71EA9-8F64-41D2-B146-948977218CCE}" type="slidenum">
               <a:rPr lang="de-DE" smtClean="0"/>
-              <a:t>‹#›</a:t>
+              <a:t>‹Nr.›</a:t>
             </a:fld>
             <a:endParaRPr lang="de-DE"/>
           </a:p>
@@ -2568,7 +2568,7 @@
           <a:p>
             <a:fld id="{2B41A6A7-50F4-463B-910E-CFAB06BEAEBD}" type="datetimeFigureOut">
               <a:rPr lang="de-DE" smtClean="0"/>
-              <a:t>18.11.2021</a:t>
+              <a:t>13.11.2022</a:t>
             </a:fld>
             <a:endParaRPr lang="de-DE"/>
           </a:p>
@@ -2646,7 +2646,7 @@
           <a:p>
             <a:fld id="{21F71EA9-8F64-41D2-B146-948977218CCE}" type="slidenum">
               <a:rPr lang="de-DE" smtClean="0"/>
-              <a:t>‹#›</a:t>
+              <a:t>‹Nr.›</a:t>
             </a:fld>
             <a:endParaRPr lang="de-DE"/>
           </a:p>
@@ -3263,7 +3263,7 @@
         </p:nvSpPr>
         <p:spPr>
           <a:xfrm>
-            <a:off x="419161" y="1930292"/>
+            <a:off x="302121" y="1930292"/>
             <a:ext cx="3714846" cy="3003091"/>
           </a:xfrm>
           <a:prstGeom prst="cloud">
@@ -3331,7 +3331,7 @@
         </p:nvSpPr>
         <p:spPr>
           <a:xfrm>
-            <a:off x="1069537" y="2536617"/>
+            <a:off x="814278" y="2536617"/>
             <a:ext cx="2722220" cy="369332"/>
           </a:xfrm>
           <a:prstGeom prst="rect">
@@ -3391,7 +3391,23 @@
                 <a:ea typeface="CMU Sans Serif" panose="02000603000000000000" pitchFamily="2" charset="0"/>
                 <a:cs typeface="CMU Sans Serif" panose="02000603000000000000" pitchFamily="2" charset="0"/>
               </a:rPr>
-              <a:t>Wir nehmen an, dass die BDI Scores der </a:t>
+              <a:t>Wir nehmen an, dass die BDI </a:t>
+            </a:r>
+            <a:r>
+              <a:rPr lang="de-DE" sz="1600">
+                <a:latin typeface="CMU Sans Serif" panose="02000603000000000000" pitchFamily="2" charset="0"/>
+                <a:ea typeface="CMU Sans Serif" panose="02000603000000000000" pitchFamily="2" charset="0"/>
+                <a:cs typeface="CMU Sans Serif" panose="02000603000000000000" pitchFamily="2" charset="0"/>
+              </a:rPr>
+              <a:t>Score Abweichungen </a:t>
+            </a:r>
+            <a:r>
+              <a:rPr lang="de-DE" sz="1600" dirty="0">
+                <a:latin typeface="CMU Sans Serif" panose="02000603000000000000" pitchFamily="2" charset="0"/>
+                <a:ea typeface="CMU Sans Serif" panose="02000603000000000000" pitchFamily="2" charset="0"/>
+                <a:cs typeface="CMU Sans Serif" panose="02000603000000000000" pitchFamily="2" charset="0"/>
+              </a:rPr>
+              <a:t>der </a:t>
             </a:r>
             <a:r>
               <a:rPr lang="de-DE" sz="1600" dirty="0" err="1">
@@ -3616,8 +3632,8 @@
             </p:nvSpPr>
             <p:spPr>
               <a:xfrm>
-                <a:off x="972596" y="2972256"/>
-                <a:ext cx="2510046" cy="254044"/>
+                <a:off x="636399" y="3028210"/>
+                <a:ext cx="3077979" cy="203261"/>
               </a:xfrm>
               <a:prstGeom prst="rect">
                 <a:avLst/>
@@ -3640,28 +3656,28 @@
                       <m:sSub>
                         <m:sSubPr>
                           <m:ctrlPr>
-                            <a:rPr lang="de-DE" sz="1500" i="1">
+                            <a:rPr lang="de-DE" sz="1200" i="1" smtClean="0">
                               <a:latin typeface="Cambria Math" panose="02040503050406030204" pitchFamily="18" charset="0"/>
                             </a:rPr>
                           </m:ctrlPr>
                         </m:sSubPr>
                         <m:e>
                           <m:r>
-                            <a:rPr lang="de-DE" sz="1500" i="1">
+                            <a:rPr lang="de-DE" sz="1200" b="0" i="1" smtClean="0">
                               <a:latin typeface="Cambria Math" panose="02040503050406030204" pitchFamily="18" charset="0"/>
                             </a:rPr>
-                            <m:t>𝑋</m:t>
+                            <m:t>𝑦</m:t>
                           </m:r>
                         </m:e>
                         <m:sub>
                           <m:r>
-                            <a:rPr lang="de-DE" sz="1500" i="1">
+                            <a:rPr lang="de-DE" sz="1200" i="1">
                               <a:latin typeface="Cambria Math" panose="02040503050406030204" pitchFamily="18" charset="0"/>
                             </a:rPr>
                             <m:t>1</m:t>
                           </m:r>
                           <m:r>
-                            <a:rPr lang="de-DE" sz="1500" i="1">
+                            <a:rPr lang="de-DE" sz="1200" i="1">
                               <a:latin typeface="Cambria Math" panose="02040503050406030204" pitchFamily="18" charset="0"/>
                             </a:rPr>
                             <m:t>𝑗</m:t>
@@ -3669,13 +3685,118 @@
                         </m:sub>
                       </m:sSub>
                       <m:r>
-                        <a:rPr lang="de-DE" sz="1500" i="1">
+                        <a:rPr lang="de-DE" sz="1200" b="0" i="1" smtClean="0">
+                          <a:latin typeface="Cambria Math" panose="02040503050406030204" pitchFamily="18" charset="0"/>
+                        </a:rPr>
+                        <m:t>=</m:t>
+                      </m:r>
+                      <m:sSub>
+                        <m:sSubPr>
+                          <m:ctrlPr>
+                            <a:rPr lang="de-DE" sz="1200" b="0" i="1" smtClean="0">
+                              <a:latin typeface="Cambria Math" panose="02040503050406030204" pitchFamily="18" charset="0"/>
+                            </a:rPr>
+                          </m:ctrlPr>
+                        </m:sSubPr>
+                        <m:e>
+                          <m:r>
+                            <a:rPr lang="de-DE" sz="1200" b="0" i="1" smtClean="0">
+                              <a:latin typeface="Cambria Math" panose="02040503050406030204" pitchFamily="18" charset="0"/>
+                            </a:rPr>
+                            <m:t>𝜇</m:t>
+                          </m:r>
+                        </m:e>
+                        <m:sub>
+                          <m:r>
+                            <a:rPr lang="de-DE" sz="1200" b="0" i="1" smtClean="0">
+                              <a:latin typeface="Cambria Math" panose="02040503050406030204" pitchFamily="18" charset="0"/>
+                            </a:rPr>
+                            <m:t>1</m:t>
+                          </m:r>
+                        </m:sub>
+                      </m:sSub>
+                      <m:r>
+                        <a:rPr lang="de-DE" sz="1200" b="0" i="1" smtClean="0">
+                          <a:latin typeface="Cambria Math" panose="02040503050406030204" pitchFamily="18" charset="0"/>
+                        </a:rPr>
+                        <m:t>+</m:t>
+                      </m:r>
+                      <m:sSub>
+                        <m:sSubPr>
+                          <m:ctrlPr>
+                            <a:rPr lang="de-DE" sz="1200" b="0" i="1" smtClean="0">
+                              <a:latin typeface="Cambria Math" panose="02040503050406030204" pitchFamily="18" charset="0"/>
+                            </a:rPr>
+                          </m:ctrlPr>
+                        </m:sSubPr>
+                        <m:e>
+                          <m:r>
+                            <a:rPr lang="de-DE" sz="1200" b="0" i="1" smtClean="0">
+                              <a:latin typeface="Cambria Math" panose="02040503050406030204" pitchFamily="18" charset="0"/>
+                            </a:rPr>
+                            <m:t>𝜀</m:t>
+                          </m:r>
+                        </m:e>
+                        <m:sub>
+                          <m:r>
+                            <a:rPr lang="de-DE" sz="1200" b="0" i="1" smtClean="0">
+                              <a:latin typeface="Cambria Math" panose="02040503050406030204" pitchFamily="18" charset="0"/>
+                            </a:rPr>
+                            <m:t>1</m:t>
+                          </m:r>
+                          <m:r>
+                            <a:rPr lang="de-DE" sz="1200" b="0" i="1" smtClean="0">
+                              <a:latin typeface="Cambria Math" panose="02040503050406030204" pitchFamily="18" charset="0"/>
+                            </a:rPr>
+                            <m:t>𝑗</m:t>
+                          </m:r>
+                        </m:sub>
+                      </m:sSub>
+                      <m:r>
+                        <a:rPr lang="de-DE" sz="1200" b="0" i="1" smtClean="0">
+                          <a:latin typeface="Cambria Math" panose="02040503050406030204" pitchFamily="18" charset="0"/>
+                        </a:rPr>
+                        <m:t> , </m:t>
+                      </m:r>
+                      <m:sSub>
+                        <m:sSubPr>
+                          <m:ctrlPr>
+                            <a:rPr lang="de-DE" sz="1200" b="0" i="1" smtClean="0">
+                              <a:latin typeface="Cambria Math" panose="02040503050406030204" pitchFamily="18" charset="0"/>
+                            </a:rPr>
+                          </m:ctrlPr>
+                        </m:sSubPr>
+                        <m:e>
+                          <m:r>
+                            <a:rPr lang="de-DE" sz="1200" b="0" i="1" smtClean="0">
+                              <a:latin typeface="Cambria Math" panose="02040503050406030204" pitchFamily="18" charset="0"/>
+                            </a:rPr>
+                            <m:t>𝜀</m:t>
+                          </m:r>
+                        </m:e>
+                        <m:sub>
+                          <m:r>
+                            <a:rPr lang="de-DE" sz="1200" b="0" i="1" smtClean="0">
+                              <a:latin typeface="Cambria Math" panose="02040503050406030204" pitchFamily="18" charset="0"/>
+                            </a:rPr>
+                            <m:t>1</m:t>
+                          </m:r>
+                          <m:r>
+                            <a:rPr lang="de-DE" sz="1200" b="0" i="1" smtClean="0">
+                              <a:latin typeface="Cambria Math" panose="02040503050406030204" pitchFamily="18" charset="0"/>
+                            </a:rPr>
+                            <m:t>𝑗</m:t>
+                          </m:r>
+                        </m:sub>
+                      </m:sSub>
+                      <m:r>
+                        <a:rPr lang="de-DE" sz="1200" i="1">
                           <a:latin typeface="Cambria Math" panose="02040503050406030204" pitchFamily="18" charset="0"/>
                         </a:rPr>
                         <m:t>∼</m:t>
                       </m:r>
                       <m:r>
-                        <a:rPr lang="de-DE" sz="1500" i="1">
+                        <a:rPr lang="de-DE" sz="1200" i="1">
                           <a:latin typeface="Cambria Math" panose="02040503050406030204" pitchFamily="18" charset="0"/>
                         </a:rPr>
                         <m:t>𝑁</m:t>
@@ -3683,39 +3804,20 @@
                       <m:d>
                         <m:dPr>
                           <m:ctrlPr>
-                            <a:rPr lang="de-DE" sz="1500" i="1">
+                            <a:rPr lang="de-DE" sz="1200" i="1">
                               <a:latin typeface="Cambria Math" panose="02040503050406030204" pitchFamily="18" charset="0"/>
                             </a:rPr>
                           </m:ctrlPr>
                         </m:dPr>
                         <m:e>
-                          <m:sSub>
-                            <m:sSubPr>
-                              <m:ctrlPr>
-                                <a:rPr lang="de-DE" sz="1500" i="1">
-                                  <a:latin typeface="Cambria Math" panose="02040503050406030204" pitchFamily="18" charset="0"/>
-                                </a:rPr>
-                              </m:ctrlPr>
-                            </m:sSubPr>
-                            <m:e>
-                              <m:r>
-                                <a:rPr lang="de-DE" sz="1500" i="1">
-                                  <a:latin typeface="Cambria Math" panose="02040503050406030204" pitchFamily="18" charset="0"/>
-                                </a:rPr>
-                                <m:t>𝜇</m:t>
-                              </m:r>
-                            </m:e>
-                            <m:sub>
-                              <m:r>
-                                <a:rPr lang="de-DE" sz="1500" i="1">
-                                  <a:latin typeface="Cambria Math" panose="02040503050406030204" pitchFamily="18" charset="0"/>
-                                </a:rPr>
-                                <m:t>1</m:t>
-                              </m:r>
-                            </m:sub>
-                          </m:sSub>
                           <m:r>
-                            <a:rPr lang="de-DE" sz="1500" i="1">
+                            <a:rPr lang="de-DE" sz="1200" b="0" i="1" smtClean="0">
+                              <a:latin typeface="Cambria Math" panose="02040503050406030204" pitchFamily="18" charset="0"/>
+                            </a:rPr>
+                            <m:t>0</m:t>
+                          </m:r>
+                          <m:r>
+                            <a:rPr lang="de-DE" sz="1200" i="1">
                               <a:latin typeface="Cambria Math" panose="02040503050406030204" pitchFamily="18" charset="0"/>
                             </a:rPr>
                             <m:t>,</m:t>
@@ -3723,14 +3825,14 @@
                           <m:sSup>
                             <m:sSupPr>
                               <m:ctrlPr>
-                                <a:rPr lang="de-DE" sz="1500" i="1">
+                                <a:rPr lang="de-DE" sz="1200" i="1">
                                   <a:latin typeface="Cambria Math" panose="02040503050406030204" pitchFamily="18" charset="0"/>
                                 </a:rPr>
                               </m:ctrlPr>
                             </m:sSupPr>
                             <m:e>
                               <m:r>
-                                <a:rPr lang="de-DE" sz="1500" i="1">
+                                <a:rPr lang="de-DE" sz="1200" i="1">
                                   <a:latin typeface="Cambria Math" panose="02040503050406030204" pitchFamily="18" charset="0"/>
                                 </a:rPr>
                                 <m:t>𝜎</m:t>
@@ -3738,7 +3840,7 @@
                             </m:e>
                             <m:sup>
                               <m:r>
-                                <a:rPr lang="de-DE" sz="1500" i="1">
+                                <a:rPr lang="de-DE" sz="1200" i="1">
                                   <a:latin typeface="Cambria Math" panose="02040503050406030204" pitchFamily="18" charset="0"/>
                                 </a:rPr>
                                 <m:t>2</m:t>
@@ -3748,19 +3850,19 @@
                         </m:e>
                       </m:d>
                       <m:r>
-                        <a:rPr lang="de-DE" sz="1500" i="1">
+                        <a:rPr lang="de-DE" sz="1200" i="1">
                           <a:latin typeface="Cambria Math" panose="02040503050406030204" pitchFamily="18" charset="0"/>
                         </a:rPr>
                         <m:t>, </m:t>
                       </m:r>
                       <m:r>
-                        <a:rPr lang="de-DE" sz="1500" i="1">
+                        <a:rPr lang="de-DE" sz="1200" i="1">
                           <a:latin typeface="Cambria Math" panose="02040503050406030204" pitchFamily="18" charset="0"/>
                         </a:rPr>
                         <m:t>𝑗</m:t>
                       </m:r>
                       <m:r>
-                        <a:rPr lang="de-DE" sz="1500" i="1">
+                        <a:rPr lang="de-DE" sz="1200" i="1">
                           <a:latin typeface="Cambria Math" panose="02040503050406030204" pitchFamily="18" charset="0"/>
                         </a:rPr>
                         <m:t>=1,…,</m:t>
@@ -3768,14 +3870,14 @@
                       <m:sSub>
                         <m:sSubPr>
                           <m:ctrlPr>
-                            <a:rPr lang="de-DE" sz="1500" i="1">
+                            <a:rPr lang="de-DE" sz="1200" i="1">
                               <a:latin typeface="Cambria Math" panose="02040503050406030204" pitchFamily="18" charset="0"/>
                             </a:rPr>
                           </m:ctrlPr>
                         </m:sSubPr>
                         <m:e>
                           <m:r>
-                            <a:rPr lang="de-DE" sz="1500" i="1">
+                            <a:rPr lang="de-DE" sz="1200" i="1">
                               <a:latin typeface="Cambria Math" panose="02040503050406030204" pitchFamily="18" charset="0"/>
                             </a:rPr>
                             <m:t>𝑛</m:t>
@@ -3783,7 +3885,7 @@
                         </m:e>
                         <m:sub>
                           <m:r>
-                            <a:rPr lang="de-DE" sz="1500" i="1">
+                            <a:rPr lang="de-DE" sz="1200" i="1">
                               <a:latin typeface="Cambria Math" panose="02040503050406030204" pitchFamily="18" charset="0"/>
                             </a:rPr>
                             <m:t>1</m:t>
@@ -3793,7 +3895,7 @@
                     </m:oMath>
                   </m:oMathPara>
                 </a14:m>
-                <a:endParaRPr lang="de-DE" sz="1500" dirty="0"/>
+                <a:endParaRPr lang="de-DE" sz="1200" dirty="0"/>
               </a:p>
             </p:txBody>
           </p:sp>
@@ -3815,8 +3917,8 @@
             </p:nvSpPr>
             <p:spPr>
               <a:xfrm>
-                <a:off x="972596" y="2972256"/>
-                <a:ext cx="2510046" cy="254044"/>
+                <a:off x="636399" y="3028210"/>
+                <a:ext cx="3077979" cy="203261"/>
               </a:xfrm>
               <a:prstGeom prst="rect">
                 <a:avLst/>
@@ -3824,250 +3926,7 @@
               <a:blipFill>
                 <a:blip r:embed="rId3"/>
                 <a:stretch>
-                  <a:fillRect t="-2439" b="-24390"/>
-                </a:stretch>
-              </a:blipFill>
-            </p:spPr>
-            <p:txBody>
-              <a:bodyPr/>
-              <a:lstStyle/>
-              <a:p>
-                <a:r>
-                  <a:rPr lang="de-DE">
-                    <a:noFill/>
-                  </a:rPr>
-                  <a:t> </a:t>
-                </a:r>
-              </a:p>
-            </p:txBody>
-          </p:sp>
-        </mc:Fallback>
-      </mc:AlternateContent>
-      <mc:AlternateContent xmlns:mc="http://schemas.openxmlformats.org/markup-compatibility/2006">
-        <mc:Choice xmlns:a14="http://schemas.microsoft.com/office/drawing/2010/main" Requires="a14">
-          <p:sp>
-            <p:nvSpPr>
-              <p:cNvPr id="30" name="TextBox 29">
-                <a:extLst>
-                  <a:ext uri="{FF2B5EF4-FFF2-40B4-BE49-F238E27FC236}">
-                    <a16:creationId xmlns:a16="http://schemas.microsoft.com/office/drawing/2014/main" id="{BC5FD6DC-885A-455C-A5D4-549616E44FB8}"/>
-                  </a:ext>
-                </a:extLst>
-              </p:cNvPr>
-              <p:cNvSpPr txBox="1"/>
-              <p:nvPr/>
-            </p:nvSpPr>
-            <p:spPr>
-              <a:xfrm>
-                <a:off x="1037718" y="3295840"/>
-                <a:ext cx="2370201" cy="254044"/>
-              </a:xfrm>
-              <a:prstGeom prst="rect">
-                <a:avLst/>
-              </a:prstGeom>
-              <a:noFill/>
-            </p:spPr>
-            <p:txBody>
-              <a:bodyPr wrap="none" lIns="0" tIns="0" rIns="0" bIns="0" rtlCol="0">
-                <a:spAutoFit/>
-              </a:bodyPr>
-              <a:lstStyle/>
-              <a:p>
-                <a:pPr/>
-                <a14:m>
-                  <m:oMathPara xmlns:m="http://schemas.openxmlformats.org/officeDocument/2006/math">
-                    <m:oMathParaPr>
-                      <m:jc m:val="centerGroup"/>
-                    </m:oMathParaPr>
-                    <m:oMath xmlns:m="http://schemas.openxmlformats.org/officeDocument/2006/math">
-                      <m:sSub>
-                        <m:sSubPr>
-                          <m:ctrlPr>
-                            <a:rPr lang="de-DE" sz="1500" i="1">
-                              <a:latin typeface="Cambria Math" panose="02040503050406030204" pitchFamily="18" charset="0"/>
-                            </a:rPr>
-                          </m:ctrlPr>
-                        </m:sSubPr>
-                        <m:e>
-                          <m:r>
-                            <a:rPr lang="de-DE" sz="1500" i="1">
-                              <a:latin typeface="Cambria Math" panose="02040503050406030204" pitchFamily="18" charset="0"/>
-                            </a:rPr>
-                            <m:t>𝑋</m:t>
-                          </m:r>
-                        </m:e>
-                        <m:sub>
-                          <m:r>
-                            <a:rPr lang="de-DE" sz="1500" i="1">
-                              <a:latin typeface="Cambria Math" panose="02040503050406030204" pitchFamily="18" charset="0"/>
-                            </a:rPr>
-                            <m:t>2</m:t>
-                          </m:r>
-                          <m:r>
-                            <a:rPr lang="de-DE" sz="1500" i="1">
-                              <a:latin typeface="Cambria Math" panose="02040503050406030204" pitchFamily="18" charset="0"/>
-                            </a:rPr>
-                            <m:t>𝑗</m:t>
-                          </m:r>
-                        </m:sub>
-                      </m:sSub>
-                      <m:r>
-                        <a:rPr lang="de-DE" sz="1500" i="1">
-                          <a:latin typeface="Cambria Math" panose="02040503050406030204" pitchFamily="18" charset="0"/>
-                        </a:rPr>
-                        <m:t>∼</m:t>
-                      </m:r>
-                      <m:r>
-                        <a:rPr lang="de-DE" sz="1500" i="1">
-                          <a:latin typeface="Cambria Math" panose="02040503050406030204" pitchFamily="18" charset="0"/>
-                        </a:rPr>
-                        <m:t>𝑁</m:t>
-                      </m:r>
-                      <m:d>
-                        <m:dPr>
-                          <m:ctrlPr>
-                            <a:rPr lang="de-DE" sz="1500" i="1">
-                              <a:latin typeface="Cambria Math" panose="02040503050406030204" pitchFamily="18" charset="0"/>
-                            </a:rPr>
-                          </m:ctrlPr>
-                        </m:dPr>
-                        <m:e>
-                          <m:sSub>
-                            <m:sSubPr>
-                              <m:ctrlPr>
-                                <a:rPr lang="de-DE" sz="1500" i="1">
-                                  <a:latin typeface="Cambria Math" panose="02040503050406030204" pitchFamily="18" charset="0"/>
-                                </a:rPr>
-                              </m:ctrlPr>
-                            </m:sSubPr>
-                            <m:e>
-                              <m:r>
-                                <a:rPr lang="de-DE" sz="1500" i="1">
-                                  <a:latin typeface="Cambria Math" panose="02040503050406030204" pitchFamily="18" charset="0"/>
-                                </a:rPr>
-                                <m:t>𝜇</m:t>
-                              </m:r>
-                            </m:e>
-                            <m:sub>
-                              <m:r>
-                                <a:rPr lang="de-DE" sz="1500" i="1">
-                                  <a:latin typeface="Cambria Math" panose="02040503050406030204" pitchFamily="18" charset="0"/>
-                                </a:rPr>
-                                <m:t>2</m:t>
-                              </m:r>
-                            </m:sub>
-                          </m:sSub>
-                          <m:r>
-                            <a:rPr lang="de-DE" sz="1500" i="1">
-                              <a:latin typeface="Cambria Math" panose="02040503050406030204" pitchFamily="18" charset="0"/>
-                            </a:rPr>
-                            <m:t>,</m:t>
-                          </m:r>
-                          <m:sSup>
-                            <m:sSupPr>
-                              <m:ctrlPr>
-                                <a:rPr lang="de-DE" sz="1500" i="1">
-                                  <a:latin typeface="Cambria Math" panose="02040503050406030204" pitchFamily="18" charset="0"/>
-                                </a:rPr>
-                              </m:ctrlPr>
-                            </m:sSupPr>
-                            <m:e>
-                              <m:r>
-                                <a:rPr lang="de-DE" sz="1500" i="1">
-                                  <a:latin typeface="Cambria Math" panose="02040503050406030204" pitchFamily="18" charset="0"/>
-                                </a:rPr>
-                                <m:t>𝜎</m:t>
-                              </m:r>
-                            </m:e>
-                            <m:sup>
-                              <m:r>
-                                <a:rPr lang="de-DE" sz="1500" i="1">
-                                  <a:latin typeface="Cambria Math" panose="02040503050406030204" pitchFamily="18" charset="0"/>
-                                </a:rPr>
-                                <m:t>2</m:t>
-                              </m:r>
-                            </m:sup>
-                          </m:sSup>
-                        </m:e>
-                      </m:d>
-                      <m:r>
-                        <a:rPr lang="de-DE" sz="1500" i="1">
-                          <a:latin typeface="Cambria Math" panose="02040503050406030204" pitchFamily="18" charset="0"/>
-                        </a:rPr>
-                        <m:t>, </m:t>
-                      </m:r>
-                      <m:r>
-                        <a:rPr lang="de-DE" sz="1500" i="1">
-                          <a:latin typeface="Cambria Math" panose="02040503050406030204" pitchFamily="18" charset="0"/>
-                        </a:rPr>
-                        <m:t>𝑗</m:t>
-                      </m:r>
-                      <m:r>
-                        <a:rPr lang="de-DE" sz="1500" i="1">
-                          <a:latin typeface="Cambria Math" panose="02040503050406030204" pitchFamily="18" charset="0"/>
-                        </a:rPr>
-                        <m:t>=1,…,</m:t>
-                      </m:r>
-                      <m:sSub>
-                        <m:sSubPr>
-                          <m:ctrlPr>
-                            <a:rPr lang="de-DE" sz="1500" i="1">
-                              <a:latin typeface="Cambria Math" panose="02040503050406030204" pitchFamily="18" charset="0"/>
-                            </a:rPr>
-                          </m:ctrlPr>
-                        </m:sSubPr>
-                        <m:e>
-                          <m:r>
-                            <a:rPr lang="de-DE" sz="1500" i="1">
-                              <a:latin typeface="Cambria Math" panose="02040503050406030204" pitchFamily="18" charset="0"/>
-                            </a:rPr>
-                            <m:t>𝑛</m:t>
-                          </m:r>
-                        </m:e>
-                        <m:sub>
-                          <m:r>
-                            <a:rPr lang="de-DE" sz="1500" i="1">
-                              <a:latin typeface="Cambria Math" panose="02040503050406030204" pitchFamily="18" charset="0"/>
-                            </a:rPr>
-                            <m:t>2</m:t>
-                          </m:r>
-                        </m:sub>
-                      </m:sSub>
-                    </m:oMath>
-                  </m:oMathPara>
-                </a14:m>
-                <a:endParaRPr lang="de-DE" sz="1500" dirty="0"/>
-              </a:p>
-            </p:txBody>
-          </p:sp>
-        </mc:Choice>
-        <mc:Fallback>
-          <p:sp>
-            <p:nvSpPr>
-              <p:cNvPr id="30" name="TextBox 29">
-                <a:extLst>
-                  <a:ext uri="{FF2B5EF4-FFF2-40B4-BE49-F238E27FC236}">
-                    <a16:creationId xmlns:a16="http://schemas.microsoft.com/office/drawing/2014/main" id="{BC5FD6DC-885A-455C-A5D4-549616E44FB8}"/>
-                  </a:ext>
-                </a:extLst>
-              </p:cNvPr>
-              <p:cNvSpPr txBox="1">
-                <a:spLocks noRot="1" noChangeAspect="1" noMove="1" noResize="1" noEditPoints="1" noAdjustHandles="1" noChangeArrowheads="1" noChangeShapeType="1" noTextEdit="1"/>
-              </p:cNvSpPr>
-              <p:nvPr/>
-            </p:nvSpPr>
-            <p:spPr>
-              <a:xfrm>
-                <a:off x="1037718" y="3295840"/>
-                <a:ext cx="2370201" cy="254044"/>
-              </a:xfrm>
-              <a:prstGeom prst="rect">
-                <a:avLst/>
-              </a:prstGeom>
-              <a:blipFill>
-                <a:blip r:embed="rId4"/>
-                <a:stretch>
-                  <a:fillRect l="-1542" t="-2439" r="-257" b="-24390"/>
+                  <a:fillRect b="-27273"/>
                 </a:stretch>
               </a:blipFill>
             </p:spPr>
@@ -4101,7 +3960,7 @@
           <p:nvPr/>
         </p:nvPicPr>
         <p:blipFill>
-          <a:blip r:embed="rId5">
+          <a:blip r:embed="rId4">
             <a:grayscl/>
             <a:extLst>
               <a:ext uri="{28A0092B-C50C-407E-A947-70E740481C1C}">
@@ -4138,7 +3997,7 @@
           <p:nvPr/>
         </p:nvPicPr>
         <p:blipFill>
-          <a:blip r:embed="rId6">
+          <a:blip r:embed="rId5">
             <a:extLst>
               <a:ext uri="{28A0092B-C50C-407E-A947-70E740481C1C}">
                 <a14:useLocalDpi xmlns:a14="http://schemas.microsoft.com/office/drawing/2010/main" val="0"/>
@@ -4261,7 +4120,23 @@
                   <a:srgbClr val="0070C0"/>
                 </a:solidFill>
               </a:rPr>
-              <a:t>Klassischer und Online PT bei Depression</a:t>
+              <a:t>Face-</a:t>
+            </a:r>
+            <a:r>
+              <a:rPr lang="de-DE" sz="1600" dirty="0" err="1">
+                <a:solidFill>
+                  <a:srgbClr val="0070C0"/>
+                </a:solidFill>
+              </a:rPr>
+              <a:t>to</a:t>
+            </a:r>
+            <a:r>
+              <a:rPr lang="de-DE" sz="1600" dirty="0">
+                <a:solidFill>
+                  <a:srgbClr val="0070C0"/>
+                </a:solidFill>
+              </a:rPr>
+              <a:t>-Face und Online PT bei Depression</a:t>
             </a:r>
           </a:p>
         </p:txBody>
@@ -4282,8 +4157,8 @@
             </p:nvSpPr>
             <p:spPr>
               <a:xfrm>
-                <a:off x="881154" y="3661386"/>
-                <a:ext cx="2622962" cy="265907"/>
+                <a:off x="1152165" y="3675818"/>
+                <a:ext cx="1937966" cy="212751"/>
               </a:xfrm>
               <a:prstGeom prst="rect">
                 <a:avLst/>
@@ -4304,7 +4179,7 @@
                     </m:oMathParaPr>
                     <m:oMath xmlns:m="http://schemas.openxmlformats.org/officeDocument/2006/math">
                       <m:r>
-                        <a:rPr lang="de-DE" sz="1500" i="1">
+                        <a:rPr lang="de-DE" sz="1200" i="1" smtClean="0">
                           <a:latin typeface="Cambria Math" panose="02040503050406030204" pitchFamily="18" charset="0"/>
                         </a:rPr>
                         <m:t>𝔼</m:t>
@@ -4312,7 +4187,7 @@
                       <m:d>
                         <m:dPr>
                           <m:ctrlPr>
-                            <a:rPr lang="de-DE" sz="1500" i="1">
+                            <a:rPr lang="de-DE" sz="1200" i="1">
                               <a:latin typeface="Cambria Math" panose="02040503050406030204" pitchFamily="18" charset="0"/>
                             </a:rPr>
                           </m:ctrlPr>
@@ -4321,69 +4196,50 @@
                           <m:sSub>
                             <m:sSubPr>
                               <m:ctrlPr>
-                                <a:rPr lang="de-DE" sz="1500" i="1">
+                                <a:rPr lang="de-DE" sz="1200" i="1">
                                   <a:latin typeface="Cambria Math" panose="02040503050406030204" pitchFamily="18" charset="0"/>
                                 </a:rPr>
                               </m:ctrlPr>
                             </m:sSubPr>
                             <m:e>
                               <m:r>
-                                <a:rPr lang="de-DE" sz="1500" i="1">
+                                <a:rPr lang="de-DE" sz="1200" i="1">
                                   <a:latin typeface="Cambria Math" panose="02040503050406030204" pitchFamily="18" charset="0"/>
                                 </a:rPr>
-                                <m:t>𝑋</m:t>
+                                <m:t>𝜀</m:t>
                               </m:r>
                             </m:e>
                             <m:sub>
                               <m:r>
-                                <a:rPr lang="de-DE" sz="1500" i="1">
+                                <a:rPr lang="de-DE" sz="1200" b="0" i="1" smtClean="0">
                                   <a:latin typeface="Cambria Math" panose="02040503050406030204" pitchFamily="18" charset="0"/>
                                 </a:rPr>
-                                <m:t>𝑖𝑗</m:t>
+                                <m:t>𝑖</m:t>
+                              </m:r>
+                              <m:r>
+                                <a:rPr lang="de-DE" sz="1200" i="1">
+                                  <a:latin typeface="Cambria Math" panose="02040503050406030204" pitchFamily="18" charset="0"/>
+                                </a:rPr>
+                                <m:t>𝑗</m:t>
                               </m:r>
                             </m:sub>
                           </m:sSub>
                         </m:e>
                       </m:d>
                       <m:r>
-                        <a:rPr lang="de-DE" sz="1500" i="1">
+                        <a:rPr lang="de-DE" sz="1200" i="1">
                           <a:latin typeface="Cambria Math" panose="02040503050406030204" pitchFamily="18" charset="0"/>
                         </a:rPr>
                         <m:t>=</m:t>
                       </m:r>
-                      <m:sSub>
-                        <m:sSubPr>
-                          <m:ctrlPr>
-                            <a:rPr lang="de-DE" sz="1500" i="1">
-                              <a:latin typeface="Cambria Math" panose="02040503050406030204" pitchFamily="18" charset="0"/>
-                            </a:rPr>
-                          </m:ctrlPr>
-                        </m:sSubPr>
-                        <m:e>
-                          <m:r>
-                            <a:rPr lang="de-DE" sz="1500" i="1">
-                              <a:latin typeface="Cambria Math" panose="02040503050406030204" pitchFamily="18" charset="0"/>
-                            </a:rPr>
-                            <m:t>𝜇</m:t>
-                          </m:r>
-                        </m:e>
-                        <m:sub>
-                          <m:r>
-                            <a:rPr lang="de-DE" sz="1500" i="1">
-                              <a:latin typeface="Cambria Math" panose="02040503050406030204" pitchFamily="18" charset="0"/>
-                            </a:rPr>
-                            <m:t>𝑖</m:t>
-                          </m:r>
-                        </m:sub>
-                      </m:sSub>
                       <m:r>
-                        <a:rPr lang="de-DE" sz="1500" i="1">
+                        <a:rPr lang="de-DE" sz="1200" b="0" i="1" smtClean="0">
                           <a:latin typeface="Cambria Math" panose="02040503050406030204" pitchFamily="18" charset="0"/>
                         </a:rPr>
-                        <m:t>    </m:t>
+                        <m:t>0, </m:t>
                       </m:r>
                       <m:r>
-                        <a:rPr lang="de-DE" sz="1500" i="1">
+                        <a:rPr lang="de-DE" sz="1200" b="0" i="1" smtClean="0">
                           <a:latin typeface="Cambria Math" panose="02040503050406030204" pitchFamily="18" charset="0"/>
                         </a:rPr>
                         <m:t>𝕍</m:t>
@@ -4391,7 +4247,7 @@
                       <m:d>
                         <m:dPr>
                           <m:ctrlPr>
-                            <a:rPr lang="de-DE" sz="1500" i="1">
+                            <a:rPr lang="de-DE" sz="1200" i="1">
                               <a:latin typeface="Cambria Math" panose="02040503050406030204" pitchFamily="18" charset="0"/>
                             </a:rPr>
                           </m:ctrlPr>
@@ -4400,32 +4256,38 @@
                           <m:sSub>
                             <m:sSubPr>
                               <m:ctrlPr>
-                                <a:rPr lang="de-DE" sz="1500" i="1">
+                                <a:rPr lang="de-DE" sz="1200" i="1">
                                   <a:latin typeface="Cambria Math" panose="02040503050406030204" pitchFamily="18" charset="0"/>
                                 </a:rPr>
                               </m:ctrlPr>
                             </m:sSubPr>
                             <m:e>
                               <m:r>
-                                <a:rPr lang="de-DE" sz="1500" i="1">
+                                <a:rPr lang="de-DE" sz="1200" i="1">
                                   <a:latin typeface="Cambria Math" panose="02040503050406030204" pitchFamily="18" charset="0"/>
                                 </a:rPr>
-                                <m:t>𝑋</m:t>
+                                <m:t>𝜀</m:t>
                               </m:r>
                             </m:e>
                             <m:sub>
                               <m:r>
-                                <a:rPr lang="de-DE" sz="1500" i="1">
+                                <a:rPr lang="de-DE" sz="1200" b="0" i="1" smtClean="0">
                                   <a:latin typeface="Cambria Math" panose="02040503050406030204" pitchFamily="18" charset="0"/>
                                 </a:rPr>
-                                <m:t>𝑖𝑗</m:t>
+                                <m:t>𝑖</m:t>
+                              </m:r>
+                              <m:r>
+                                <a:rPr lang="de-DE" sz="1200" i="1">
+                                  <a:latin typeface="Cambria Math" panose="02040503050406030204" pitchFamily="18" charset="0"/>
+                                </a:rPr>
+                                <m:t>𝑗</m:t>
                               </m:r>
                             </m:sub>
                           </m:sSub>
                         </m:e>
                       </m:d>
                       <m:r>
-                        <a:rPr lang="de-DE" sz="1500" i="1">
+                        <a:rPr lang="de-DE" sz="1200" i="1">
                           <a:latin typeface="Cambria Math" panose="02040503050406030204" pitchFamily="18" charset="0"/>
                         </a:rPr>
                         <m:t>=</m:t>
@@ -4433,14 +4295,14 @@
                       <m:sSup>
                         <m:sSupPr>
                           <m:ctrlPr>
-                            <a:rPr lang="de-DE" sz="1500" i="1">
+                            <a:rPr lang="de-DE" sz="1200" i="1">
                               <a:latin typeface="Cambria Math" panose="02040503050406030204" pitchFamily="18" charset="0"/>
                             </a:rPr>
                           </m:ctrlPr>
                         </m:sSupPr>
                         <m:e>
                           <m:r>
-                            <a:rPr lang="de-DE" sz="1500" i="1">
+                            <a:rPr lang="de-DE" sz="1200" i="1">
                               <a:latin typeface="Cambria Math" panose="02040503050406030204" pitchFamily="18" charset="0"/>
                             </a:rPr>
                             <m:t>𝜎</m:t>
@@ -4448,7 +4310,7 @@
                         </m:e>
                         <m:sup>
                           <m:r>
-                            <a:rPr lang="de-DE" sz="1500" i="1">
+                            <a:rPr lang="de-DE" sz="1200" i="1">
                               <a:latin typeface="Cambria Math" panose="02040503050406030204" pitchFamily="18" charset="0"/>
                             </a:rPr>
                             <m:t>2</m:t>
@@ -4456,25 +4318,31 @@
                         </m:sup>
                       </m:sSup>
                       <m:r>
-                        <a:rPr lang="de-DE" sz="1500" i="1">
+                        <a:rPr lang="de-DE" sz="1200" i="1">
                           <a:latin typeface="Cambria Math" panose="02040503050406030204" pitchFamily="18" charset="0"/>
                         </a:rPr>
                         <m:t>  ∀</m:t>
                       </m:r>
                       <m:r>
-                        <a:rPr lang="de-DE" sz="1500" i="1">
+                        <a:rPr lang="de-DE" sz="1200" b="0" i="1" smtClean="0">
+                          <a:latin typeface="Cambria Math" panose="02040503050406030204" pitchFamily="18" charset="0"/>
+                        </a:rPr>
+                        <m:t> </m:t>
+                      </m:r>
+                      <m:r>
+                        <a:rPr lang="de-DE" sz="1200" i="1">
                           <a:latin typeface="Cambria Math" panose="02040503050406030204" pitchFamily="18" charset="0"/>
                         </a:rPr>
                         <m:t>𝑖</m:t>
                       </m:r>
                       <m:r>
-                        <a:rPr lang="de-DE" sz="1500" i="1">
+                        <a:rPr lang="de-DE" sz="1200" i="1">
                           <a:latin typeface="Cambria Math" panose="02040503050406030204" pitchFamily="18" charset="0"/>
                         </a:rPr>
                         <m:t>,</m:t>
                       </m:r>
                       <m:r>
-                        <a:rPr lang="de-DE" sz="1500" i="1">
+                        <a:rPr lang="de-DE" sz="1200" i="1">
                           <a:latin typeface="Cambria Math" panose="02040503050406030204" pitchFamily="18" charset="0"/>
                         </a:rPr>
                         <m:t>𝑗</m:t>
@@ -4482,7 +4350,7 @@
                     </m:oMath>
                   </m:oMathPara>
                 </a14:m>
-                <a:endParaRPr lang="de-DE" sz="1500" dirty="0"/>
+                <a:endParaRPr lang="de-DE" sz="1200" dirty="0"/>
               </a:p>
             </p:txBody>
           </p:sp>
@@ -4504,16 +4372,16 @@
             </p:nvSpPr>
             <p:spPr>
               <a:xfrm>
-                <a:off x="881154" y="3661386"/>
-                <a:ext cx="2622962" cy="265907"/>
+                <a:off x="1152165" y="3675818"/>
+                <a:ext cx="1937966" cy="212751"/>
               </a:xfrm>
               <a:prstGeom prst="rect">
                 <a:avLst/>
               </a:prstGeom>
               <a:blipFill>
-                <a:blip r:embed="rId7"/>
+                <a:blip r:embed="rId6"/>
                 <a:stretch>
-                  <a:fillRect l="-698" r="-1163" b="-23256"/>
+                  <a:fillRect l="-1572" r="-1887" b="-25714"/>
                 </a:stretch>
               </a:blipFill>
             </p:spPr>
@@ -4548,8 +4416,8 @@
             </p:nvSpPr>
             <p:spPr>
               <a:xfrm>
-                <a:off x="830936" y="3974133"/>
-                <a:ext cx="3199422" cy="358240"/>
+                <a:off x="980320" y="3964796"/>
+                <a:ext cx="2179836" cy="305084"/>
               </a:xfrm>
               <a:prstGeom prst="rect">
                 <a:avLst/>
@@ -4570,7 +4438,7 @@
                     </m:oMathParaPr>
                     <m:oMath xmlns:m="http://schemas.openxmlformats.org/officeDocument/2006/math">
                       <m:r>
-                        <a:rPr lang="de-DE" sz="1500" i="1">
+                        <a:rPr lang="de-DE" sz="1200" i="1" smtClean="0">
                           <a:latin typeface="Cambria Math" panose="02040503050406030204" pitchFamily="18" charset="0"/>
                         </a:rPr>
                         <m:t>ℂ</m:t>
@@ -4578,7 +4446,7 @@
                       <m:d>
                         <m:dPr>
                           <m:ctrlPr>
-                            <a:rPr lang="de-DE" sz="1500" i="1">
+                            <a:rPr lang="de-DE" sz="1200" i="1">
                               <a:latin typeface="Cambria Math" panose="02040503050406030204" pitchFamily="18" charset="0"/>
                             </a:rPr>
                           </m:ctrlPr>
@@ -4587,53 +4455,59 @@
                           <m:sSub>
                             <m:sSubPr>
                               <m:ctrlPr>
-                                <a:rPr lang="de-DE" sz="1500" i="1">
+                                <a:rPr lang="de-DE" sz="1200" i="1">
                                   <a:latin typeface="Cambria Math" panose="02040503050406030204" pitchFamily="18" charset="0"/>
                                 </a:rPr>
                               </m:ctrlPr>
                             </m:sSubPr>
                             <m:e>
                               <m:r>
-                                <a:rPr lang="de-DE" sz="1500" i="1">
+                                <a:rPr lang="de-DE" sz="1200" i="1">
                                   <a:latin typeface="Cambria Math" panose="02040503050406030204" pitchFamily="18" charset="0"/>
                                 </a:rPr>
-                                <m:t>𝑋</m:t>
+                                <m:t>𝜀</m:t>
                               </m:r>
                             </m:e>
                             <m:sub>
                               <m:r>
-                                <a:rPr lang="de-DE" sz="1500" i="1">
+                                <a:rPr lang="de-DE" sz="1200" i="1">
                                   <a:latin typeface="Cambria Math" panose="02040503050406030204" pitchFamily="18" charset="0"/>
                                 </a:rPr>
-                                <m:t>𝑖𝑗</m:t>
+                                <m:t>𝑖</m:t>
+                              </m:r>
+                              <m:r>
+                                <a:rPr lang="de-DE" sz="1200" i="1">
+                                  <a:latin typeface="Cambria Math" panose="02040503050406030204" pitchFamily="18" charset="0"/>
+                                </a:rPr>
+                                <m:t>𝑗</m:t>
                               </m:r>
                             </m:sub>
                           </m:sSub>
                           <m:r>
-                            <a:rPr lang="de-DE" sz="1500" i="1">
+                            <a:rPr lang="de-DE" sz="1200" i="1">
                               <a:latin typeface="Cambria Math" panose="02040503050406030204" pitchFamily="18" charset="0"/>
                             </a:rPr>
-                            <m:t>, </m:t>
+                            <m:t>,</m:t>
                           </m:r>
                           <m:sSub>
                             <m:sSubPr>
                               <m:ctrlPr>
-                                <a:rPr lang="de-DE" sz="1500" i="1">
+                                <a:rPr lang="de-DE" sz="1200" i="1">
                                   <a:latin typeface="Cambria Math" panose="02040503050406030204" pitchFamily="18" charset="0"/>
                                 </a:rPr>
                               </m:ctrlPr>
                             </m:sSubPr>
                             <m:e>
                               <m:r>
-                                <a:rPr lang="de-DE" sz="1500" i="1">
+                                <a:rPr lang="de-DE" sz="1200" i="1">
                                   <a:latin typeface="Cambria Math" panose="02040503050406030204" pitchFamily="18" charset="0"/>
                                 </a:rPr>
-                                <m:t>𝑋</m:t>
+                                <m:t>𝜀</m:t>
                               </m:r>
                             </m:e>
                             <m:sub>
                               <m:r>
-                                <a:rPr lang="de-DE" sz="1500" i="1">
+                                <a:rPr lang="de-DE" sz="1200" b="0" i="1" smtClean="0">
                                   <a:latin typeface="Cambria Math" panose="02040503050406030204" pitchFamily="18" charset="0"/>
                                 </a:rPr>
                                 <m:t>𝑘𝑙</m:t>
@@ -4643,49 +4517,55 @@
                         </m:e>
                       </m:d>
                       <m:r>
-                        <a:rPr lang="de-DE" sz="1500" i="1">
+                        <a:rPr lang="de-DE" sz="1200" i="1">
                           <a:latin typeface="Cambria Math" panose="02040503050406030204" pitchFamily="18" charset="0"/>
                         </a:rPr>
                         <m:t>=0  ∀</m:t>
                       </m:r>
                       <m:r>
-                        <a:rPr lang="de-DE" sz="1500" i="1">
+                        <a:rPr lang="de-DE" sz="1200" b="0" i="1" smtClean="0">
+                          <a:latin typeface="Cambria Math" panose="02040503050406030204" pitchFamily="18" charset="0"/>
+                        </a:rPr>
+                        <m:t> </m:t>
+                      </m:r>
+                      <m:r>
+                        <a:rPr lang="de-DE" sz="1200" i="1">
                           <a:latin typeface="Cambria Math" panose="02040503050406030204" pitchFamily="18" charset="0"/>
                         </a:rPr>
                         <m:t>𝑖</m:t>
                       </m:r>
                       <m:r>
-                        <a:rPr lang="de-DE" sz="1500" i="1">
+                        <a:rPr lang="de-DE" sz="1200" i="1">
                           <a:latin typeface="Cambria Math" panose="02040503050406030204" pitchFamily="18" charset="0"/>
                         </a:rPr>
                         <m:t>≠</m:t>
                       </m:r>
                       <m:r>
-                        <a:rPr lang="de-DE" sz="1500" i="1">
+                        <a:rPr lang="de-DE" sz="1200" i="1">
                           <a:latin typeface="Cambria Math" panose="02040503050406030204" pitchFamily="18" charset="0"/>
                         </a:rPr>
                         <m:t>𝑘</m:t>
                       </m:r>
                       <m:r>
-                        <a:rPr lang="de-DE" sz="1500" i="1">
+                        <a:rPr lang="de-DE" sz="1200" i="1">
                           <a:latin typeface="Cambria Math" panose="02040503050406030204" pitchFamily="18" charset="0"/>
                         </a:rPr>
                         <m:t>,</m:t>
                       </m:r>
                       <m:r>
-                        <a:rPr lang="de-DE" sz="1500" i="1">
+                        <a:rPr lang="de-DE" sz="1200" i="1">
                           <a:latin typeface="Cambria Math" panose="02040503050406030204" pitchFamily="18" charset="0"/>
                         </a:rPr>
                         <m:t>𝑗</m:t>
                       </m:r>
                       <m:r>
-                        <a:rPr lang="de-DE" sz="1500" i="1">
+                        <a:rPr lang="de-DE" sz="1200" i="1">
                           <a:latin typeface="Cambria Math" panose="02040503050406030204" pitchFamily="18" charset="0"/>
                         </a:rPr>
                         <m:t>≠</m:t>
                       </m:r>
                       <m:r>
-                        <a:rPr lang="de-DE" sz="1500" i="1">
+                        <a:rPr lang="de-DE" sz="1200" i="1">
                           <a:latin typeface="Cambria Math" panose="02040503050406030204" pitchFamily="18" charset="0"/>
                         </a:rPr>
                         <m:t>𝑙</m:t>
@@ -4693,7 +4573,7 @@
                     </m:oMath>
                   </m:oMathPara>
                 </a14:m>
-                <a:endParaRPr lang="de-DE" sz="1500" dirty="0"/>
+                <a:endParaRPr lang="de-DE" sz="1200" dirty="0"/>
               </a:p>
             </p:txBody>
           </p:sp>
@@ -4715,8 +4595,337 @@
             </p:nvSpPr>
             <p:spPr>
               <a:xfrm>
-                <a:off x="830936" y="3974133"/>
-                <a:ext cx="3199422" cy="358240"/>
+                <a:off x="980320" y="3964796"/>
+                <a:ext cx="2179836" cy="305084"/>
+              </a:xfrm>
+              <a:prstGeom prst="rect">
+                <a:avLst/>
+              </a:prstGeom>
+              <a:blipFill>
+                <a:blip r:embed="rId7"/>
+                <a:stretch>
+                  <a:fillRect b="-4000"/>
+                </a:stretch>
+              </a:blipFill>
+            </p:spPr>
+            <p:txBody>
+              <a:bodyPr/>
+              <a:lstStyle/>
+              <a:p>
+                <a:r>
+                  <a:rPr lang="de-DE">
+                    <a:noFill/>
+                  </a:rPr>
+                  <a:t> </a:t>
+                </a:r>
+              </a:p>
+            </p:txBody>
+          </p:sp>
+        </mc:Fallback>
+      </mc:AlternateContent>
+      <mc:AlternateContent xmlns:mc="http://schemas.openxmlformats.org/markup-compatibility/2006">
+        <mc:Choice xmlns:a14="http://schemas.microsoft.com/office/drawing/2010/main" Requires="a14">
+          <p:sp>
+            <p:nvSpPr>
+              <p:cNvPr id="3" name="TextBox 1">
+                <a:extLst>
+                  <a:ext uri="{FF2B5EF4-FFF2-40B4-BE49-F238E27FC236}">
+                    <a16:creationId xmlns:a16="http://schemas.microsoft.com/office/drawing/2014/main" id="{BB943ACA-E01C-9BDC-6876-767BD3A05780}"/>
+                  </a:ext>
+                </a:extLst>
+              </p:cNvPr>
+              <p:cNvSpPr txBox="1"/>
+              <p:nvPr/>
+            </p:nvSpPr>
+            <p:spPr>
+              <a:xfrm>
+                <a:off x="636399" y="3327155"/>
+                <a:ext cx="3077979" cy="203261"/>
+              </a:xfrm>
+              <a:prstGeom prst="rect">
+                <a:avLst/>
+              </a:prstGeom>
+              <a:noFill/>
+            </p:spPr>
+            <p:txBody>
+              <a:bodyPr wrap="square" lIns="0" tIns="0" rIns="0" bIns="0" rtlCol="0">
+                <a:spAutoFit/>
+              </a:bodyPr>
+              <a:lstStyle/>
+              <a:p>
+                <a:pPr/>
+                <a14:m>
+                  <m:oMathPara xmlns:m="http://schemas.openxmlformats.org/officeDocument/2006/math">
+                    <m:oMathParaPr>
+                      <m:jc m:val="centerGroup"/>
+                    </m:oMathParaPr>
+                    <m:oMath xmlns:m="http://schemas.openxmlformats.org/officeDocument/2006/math">
+                      <m:sSub>
+                        <m:sSubPr>
+                          <m:ctrlPr>
+                            <a:rPr lang="de-DE" sz="1200" i="1" smtClean="0">
+                              <a:latin typeface="Cambria Math" panose="02040503050406030204" pitchFamily="18" charset="0"/>
+                            </a:rPr>
+                          </m:ctrlPr>
+                        </m:sSubPr>
+                        <m:e>
+                          <m:r>
+                            <a:rPr lang="de-DE" sz="1200" b="0" i="1" smtClean="0">
+                              <a:latin typeface="Cambria Math" panose="02040503050406030204" pitchFamily="18" charset="0"/>
+                            </a:rPr>
+                            <m:t>𝑦</m:t>
+                          </m:r>
+                        </m:e>
+                        <m:sub>
+                          <m:r>
+                            <a:rPr lang="de-DE" sz="1200" b="0" i="1" smtClean="0">
+                              <a:latin typeface="Cambria Math" panose="02040503050406030204" pitchFamily="18" charset="0"/>
+                            </a:rPr>
+                            <m:t>2</m:t>
+                          </m:r>
+                          <m:r>
+                            <a:rPr lang="de-DE" sz="1200" i="1">
+                              <a:latin typeface="Cambria Math" panose="02040503050406030204" pitchFamily="18" charset="0"/>
+                            </a:rPr>
+                            <m:t>𝑗</m:t>
+                          </m:r>
+                        </m:sub>
+                      </m:sSub>
+                      <m:r>
+                        <a:rPr lang="de-DE" sz="1200" b="0" i="1" smtClean="0">
+                          <a:latin typeface="Cambria Math" panose="02040503050406030204" pitchFamily="18" charset="0"/>
+                        </a:rPr>
+                        <m:t>=</m:t>
+                      </m:r>
+                      <m:sSub>
+                        <m:sSubPr>
+                          <m:ctrlPr>
+                            <a:rPr lang="de-DE" sz="1200" b="0" i="1" smtClean="0">
+                              <a:latin typeface="Cambria Math" panose="02040503050406030204" pitchFamily="18" charset="0"/>
+                            </a:rPr>
+                          </m:ctrlPr>
+                        </m:sSubPr>
+                        <m:e>
+                          <m:r>
+                            <a:rPr lang="de-DE" sz="1200" b="0" i="1" smtClean="0">
+                              <a:latin typeface="Cambria Math" panose="02040503050406030204" pitchFamily="18" charset="0"/>
+                            </a:rPr>
+                            <m:t>𝜇</m:t>
+                          </m:r>
+                        </m:e>
+                        <m:sub>
+                          <m:r>
+                            <a:rPr lang="de-DE" sz="1200" b="0" i="1" smtClean="0">
+                              <a:latin typeface="Cambria Math" panose="02040503050406030204" pitchFamily="18" charset="0"/>
+                            </a:rPr>
+                            <m:t>2</m:t>
+                          </m:r>
+                        </m:sub>
+                      </m:sSub>
+                      <m:r>
+                        <a:rPr lang="de-DE" sz="1200" b="0" i="1" smtClean="0">
+                          <a:latin typeface="Cambria Math" panose="02040503050406030204" pitchFamily="18" charset="0"/>
+                        </a:rPr>
+                        <m:t>+</m:t>
+                      </m:r>
+                      <m:sSub>
+                        <m:sSubPr>
+                          <m:ctrlPr>
+                            <a:rPr lang="de-DE" sz="1200" b="0" i="1" smtClean="0">
+                              <a:latin typeface="Cambria Math" panose="02040503050406030204" pitchFamily="18" charset="0"/>
+                            </a:rPr>
+                          </m:ctrlPr>
+                        </m:sSubPr>
+                        <m:e>
+                          <m:r>
+                            <a:rPr lang="de-DE" sz="1200" b="0" i="1" smtClean="0">
+                              <a:latin typeface="Cambria Math" panose="02040503050406030204" pitchFamily="18" charset="0"/>
+                            </a:rPr>
+                            <m:t>𝜀</m:t>
+                          </m:r>
+                        </m:e>
+                        <m:sub>
+                          <m:r>
+                            <a:rPr lang="de-DE" sz="1200" b="0" i="1" smtClean="0">
+                              <a:latin typeface="Cambria Math" panose="02040503050406030204" pitchFamily="18" charset="0"/>
+                            </a:rPr>
+                            <m:t>2</m:t>
+                          </m:r>
+                          <m:r>
+                            <a:rPr lang="de-DE" sz="1200" b="0" i="1" smtClean="0">
+                              <a:latin typeface="Cambria Math" panose="02040503050406030204" pitchFamily="18" charset="0"/>
+                            </a:rPr>
+                            <m:t>𝑗</m:t>
+                          </m:r>
+                        </m:sub>
+                      </m:sSub>
+                      <m:r>
+                        <a:rPr lang="de-DE" sz="1200" b="0" i="1" smtClean="0">
+                          <a:latin typeface="Cambria Math" panose="02040503050406030204" pitchFamily="18" charset="0"/>
+                        </a:rPr>
+                        <m:t> , </m:t>
+                      </m:r>
+                      <m:sSub>
+                        <m:sSubPr>
+                          <m:ctrlPr>
+                            <a:rPr lang="de-DE" sz="1200" b="0" i="1" smtClean="0">
+                              <a:latin typeface="Cambria Math" panose="02040503050406030204" pitchFamily="18" charset="0"/>
+                            </a:rPr>
+                          </m:ctrlPr>
+                        </m:sSubPr>
+                        <m:e>
+                          <m:r>
+                            <a:rPr lang="de-DE" sz="1200" b="0" i="1" smtClean="0">
+                              <a:latin typeface="Cambria Math" panose="02040503050406030204" pitchFamily="18" charset="0"/>
+                            </a:rPr>
+                            <m:t>𝜀</m:t>
+                          </m:r>
+                        </m:e>
+                        <m:sub>
+                          <m:r>
+                            <a:rPr lang="de-DE" sz="1200" b="0" i="1" smtClean="0">
+                              <a:latin typeface="Cambria Math" panose="02040503050406030204" pitchFamily="18" charset="0"/>
+                            </a:rPr>
+                            <m:t>2</m:t>
+                          </m:r>
+                          <m:r>
+                            <a:rPr lang="de-DE" sz="1200" b="0" i="1" smtClean="0">
+                              <a:latin typeface="Cambria Math" panose="02040503050406030204" pitchFamily="18" charset="0"/>
+                            </a:rPr>
+                            <m:t>𝑗</m:t>
+                          </m:r>
+                        </m:sub>
+                      </m:sSub>
+                      <m:r>
+                        <a:rPr lang="de-DE" sz="1200" i="1">
+                          <a:latin typeface="Cambria Math" panose="02040503050406030204" pitchFamily="18" charset="0"/>
+                        </a:rPr>
+                        <m:t>∼</m:t>
+                      </m:r>
+                      <m:r>
+                        <a:rPr lang="de-DE" sz="1200" i="1">
+                          <a:latin typeface="Cambria Math" panose="02040503050406030204" pitchFamily="18" charset="0"/>
+                        </a:rPr>
+                        <m:t>𝑁</m:t>
+                      </m:r>
+                      <m:d>
+                        <m:dPr>
+                          <m:ctrlPr>
+                            <a:rPr lang="de-DE" sz="1200" i="1">
+                              <a:latin typeface="Cambria Math" panose="02040503050406030204" pitchFamily="18" charset="0"/>
+                            </a:rPr>
+                          </m:ctrlPr>
+                        </m:dPr>
+                        <m:e>
+                          <m:r>
+                            <a:rPr lang="de-DE" sz="1200" b="0" i="1" smtClean="0">
+                              <a:latin typeface="Cambria Math" panose="02040503050406030204" pitchFamily="18" charset="0"/>
+                            </a:rPr>
+                            <m:t>0</m:t>
+                          </m:r>
+                          <m:r>
+                            <a:rPr lang="de-DE" sz="1200" i="1">
+                              <a:latin typeface="Cambria Math" panose="02040503050406030204" pitchFamily="18" charset="0"/>
+                            </a:rPr>
+                            <m:t>,</m:t>
+                          </m:r>
+                          <m:sSup>
+                            <m:sSupPr>
+                              <m:ctrlPr>
+                                <a:rPr lang="de-DE" sz="1200" i="1">
+                                  <a:latin typeface="Cambria Math" panose="02040503050406030204" pitchFamily="18" charset="0"/>
+                                </a:rPr>
+                              </m:ctrlPr>
+                            </m:sSupPr>
+                            <m:e>
+                              <m:r>
+                                <a:rPr lang="de-DE" sz="1200" i="1">
+                                  <a:latin typeface="Cambria Math" panose="02040503050406030204" pitchFamily="18" charset="0"/>
+                                </a:rPr>
+                                <m:t>𝜎</m:t>
+                              </m:r>
+                            </m:e>
+                            <m:sup>
+                              <m:r>
+                                <a:rPr lang="de-DE" sz="1200" i="1">
+                                  <a:latin typeface="Cambria Math" panose="02040503050406030204" pitchFamily="18" charset="0"/>
+                                </a:rPr>
+                                <m:t>2</m:t>
+                              </m:r>
+                            </m:sup>
+                          </m:sSup>
+                        </m:e>
+                      </m:d>
+                      <m:r>
+                        <a:rPr lang="de-DE" sz="1200" i="1">
+                          <a:latin typeface="Cambria Math" panose="02040503050406030204" pitchFamily="18" charset="0"/>
+                        </a:rPr>
+                        <m:t>, </m:t>
+                      </m:r>
+                      <m:r>
+                        <a:rPr lang="de-DE" sz="1200" i="1">
+                          <a:latin typeface="Cambria Math" panose="02040503050406030204" pitchFamily="18" charset="0"/>
+                        </a:rPr>
+                        <m:t>𝑗</m:t>
+                      </m:r>
+                      <m:r>
+                        <a:rPr lang="de-DE" sz="1200" i="1">
+                          <a:latin typeface="Cambria Math" panose="02040503050406030204" pitchFamily="18" charset="0"/>
+                        </a:rPr>
+                        <m:t>=1,…,</m:t>
+                      </m:r>
+                      <m:sSub>
+                        <m:sSubPr>
+                          <m:ctrlPr>
+                            <a:rPr lang="de-DE" sz="1200" i="1">
+                              <a:latin typeface="Cambria Math" panose="02040503050406030204" pitchFamily="18" charset="0"/>
+                            </a:rPr>
+                          </m:ctrlPr>
+                        </m:sSubPr>
+                        <m:e>
+                          <m:r>
+                            <a:rPr lang="de-DE" sz="1200" i="1">
+                              <a:latin typeface="Cambria Math" panose="02040503050406030204" pitchFamily="18" charset="0"/>
+                            </a:rPr>
+                            <m:t>𝑛</m:t>
+                          </m:r>
+                        </m:e>
+                        <m:sub>
+                          <m:r>
+                            <a:rPr lang="de-DE" sz="1200" b="0" i="1" smtClean="0">
+                              <a:latin typeface="Cambria Math" panose="02040503050406030204" pitchFamily="18" charset="0"/>
+                            </a:rPr>
+                            <m:t>2</m:t>
+                          </m:r>
+                        </m:sub>
+                      </m:sSub>
+                    </m:oMath>
+                  </m:oMathPara>
+                </a14:m>
+                <a:endParaRPr lang="de-DE" sz="1200" dirty="0"/>
+              </a:p>
+            </p:txBody>
+          </p:sp>
+        </mc:Choice>
+        <mc:Fallback>
+          <p:sp>
+            <p:nvSpPr>
+              <p:cNvPr id="3" name="TextBox 1">
+                <a:extLst>
+                  <a:ext uri="{FF2B5EF4-FFF2-40B4-BE49-F238E27FC236}">
+                    <a16:creationId xmlns:a16="http://schemas.microsoft.com/office/drawing/2014/main" id="{BB943ACA-E01C-9BDC-6876-767BD3A05780}"/>
+                  </a:ext>
+                </a:extLst>
+              </p:cNvPr>
+              <p:cNvSpPr txBox="1">
+                <a:spLocks noRot="1" noChangeAspect="1" noMove="1" noResize="1" noEditPoints="1" noAdjustHandles="1" noChangeArrowheads="1" noChangeShapeType="1" noTextEdit="1"/>
+              </p:cNvSpPr>
+              <p:nvPr/>
+            </p:nvSpPr>
+            <p:spPr>
+              <a:xfrm>
+                <a:off x="636399" y="3327155"/>
+                <a:ext cx="3077979" cy="203261"/>
               </a:xfrm>
               <a:prstGeom prst="rect">
                 <a:avLst/>
@@ -4724,7 +4933,7 @@
               <a:blipFill>
                 <a:blip r:embed="rId8"/>
                 <a:stretch>
-                  <a:fillRect b="-3390"/>
+                  <a:fillRect b="-27273"/>
                 </a:stretch>
               </a:blipFill>
             </p:spPr>
